--- a/Imagens/bloch_sphere.pptx
+++ b/Imagens/bloch_sphere.pptx
@@ -6,6 +6,7 @@
   </p:sldMasterIdLst>
   <p:sldIdLst>
     <p:sldId id="256" r:id="rId2"/>
+    <p:sldId id="257" r:id="rId3"/>
   </p:sldIdLst>
   <p:sldSz cx="9144000" cy="6858000" type="screen4x3"/>
   <p:notesSz cx="6858000" cy="9144000"/>
@@ -288,7 +289,7 @@
           <a:p>
             <a:fld id="{84342A84-67A7-4A45-9A95-7834A7B73332}" type="datetimeFigureOut">
               <a:rPr lang="pt-PT" smtClean="0"/>
-              <a:t>09-07-2013</a:t>
+              <a:t>22-04-2014</a:t>
             </a:fld>
             <a:endParaRPr lang="pt-PT"/>
           </a:p>
@@ -458,7 +459,7 @@
           <a:p>
             <a:fld id="{84342A84-67A7-4A45-9A95-7834A7B73332}" type="datetimeFigureOut">
               <a:rPr lang="pt-PT" smtClean="0"/>
-              <a:t>09-07-2013</a:t>
+              <a:t>22-04-2014</a:t>
             </a:fld>
             <a:endParaRPr lang="pt-PT"/>
           </a:p>
@@ -638,7 +639,7 @@
           <a:p>
             <a:fld id="{84342A84-67A7-4A45-9A95-7834A7B73332}" type="datetimeFigureOut">
               <a:rPr lang="pt-PT" smtClean="0"/>
-              <a:t>09-07-2013</a:t>
+              <a:t>22-04-2014</a:t>
             </a:fld>
             <a:endParaRPr lang="pt-PT"/>
           </a:p>
@@ -808,7 +809,7 @@
           <a:p>
             <a:fld id="{84342A84-67A7-4A45-9A95-7834A7B73332}" type="datetimeFigureOut">
               <a:rPr lang="pt-PT" smtClean="0"/>
-              <a:t>09-07-2013</a:t>
+              <a:t>22-04-2014</a:t>
             </a:fld>
             <a:endParaRPr lang="pt-PT"/>
           </a:p>
@@ -1054,7 +1055,7 @@
           <a:p>
             <a:fld id="{84342A84-67A7-4A45-9A95-7834A7B73332}" type="datetimeFigureOut">
               <a:rPr lang="pt-PT" smtClean="0"/>
-              <a:t>09-07-2013</a:t>
+              <a:t>22-04-2014</a:t>
             </a:fld>
             <a:endParaRPr lang="pt-PT"/>
           </a:p>
@@ -1342,7 +1343,7 @@
           <a:p>
             <a:fld id="{84342A84-67A7-4A45-9A95-7834A7B73332}" type="datetimeFigureOut">
               <a:rPr lang="pt-PT" smtClean="0"/>
-              <a:t>09-07-2013</a:t>
+              <a:t>22-04-2014</a:t>
             </a:fld>
             <a:endParaRPr lang="pt-PT"/>
           </a:p>
@@ -1764,7 +1765,7 @@
           <a:p>
             <a:fld id="{84342A84-67A7-4A45-9A95-7834A7B73332}" type="datetimeFigureOut">
               <a:rPr lang="pt-PT" smtClean="0"/>
-              <a:t>09-07-2013</a:t>
+              <a:t>22-04-2014</a:t>
             </a:fld>
             <a:endParaRPr lang="pt-PT"/>
           </a:p>
@@ -1882,7 +1883,7 @@
           <a:p>
             <a:fld id="{84342A84-67A7-4A45-9A95-7834A7B73332}" type="datetimeFigureOut">
               <a:rPr lang="pt-PT" smtClean="0"/>
-              <a:t>09-07-2013</a:t>
+              <a:t>22-04-2014</a:t>
             </a:fld>
             <a:endParaRPr lang="pt-PT"/>
           </a:p>
@@ -1977,7 +1978,7 @@
           <a:p>
             <a:fld id="{84342A84-67A7-4A45-9A95-7834A7B73332}" type="datetimeFigureOut">
               <a:rPr lang="pt-PT" smtClean="0"/>
-              <a:t>09-07-2013</a:t>
+              <a:t>22-04-2014</a:t>
             </a:fld>
             <a:endParaRPr lang="pt-PT"/>
           </a:p>
@@ -2254,7 +2255,7 @@
           <a:p>
             <a:fld id="{84342A84-67A7-4A45-9A95-7834A7B73332}" type="datetimeFigureOut">
               <a:rPr lang="pt-PT" smtClean="0"/>
-              <a:t>09-07-2013</a:t>
+              <a:t>22-04-2014</a:t>
             </a:fld>
             <a:endParaRPr lang="pt-PT"/>
           </a:p>
@@ -2507,7 +2508,7 @@
           <a:p>
             <a:fld id="{84342A84-67A7-4A45-9A95-7834A7B73332}" type="datetimeFigureOut">
               <a:rPr lang="pt-PT" smtClean="0"/>
-              <a:t>09-07-2013</a:t>
+              <a:t>22-04-2014</a:t>
             </a:fld>
             <a:endParaRPr lang="pt-PT"/>
           </a:p>
@@ -2720,7 +2721,7 @@
           <a:p>
             <a:fld id="{84342A84-67A7-4A45-9A95-7834A7B73332}" type="datetimeFigureOut">
               <a:rPr lang="pt-PT" smtClean="0"/>
-              <a:t>09-07-2013</a:t>
+              <a:t>22-04-2014</a:t>
             </a:fld>
             <a:endParaRPr lang="pt-PT"/>
           </a:p>
@@ -3095,8 +3096,8 @@
           <a:chExt cx="0" cy="0"/>
         </a:xfrm>
       </p:grpSpPr>
-      <mc:AlternateContent xmlns:mc="http://schemas.openxmlformats.org/markup-compatibility/2006">
-        <mc:Choice xmlns:a14="http://schemas.microsoft.com/office/drawing/2010/main" Requires="a14">
+      <mc:AlternateContent xmlns:mc="http://schemas.openxmlformats.org/markup-compatibility/2006" xmlns:a14="http://schemas.microsoft.com/office/drawing/2010/main">
+        <mc:Choice Requires="a14">
           <p:sp>
             <p:nvSpPr>
               <p:cNvPr id="25" name="TextBox 24"/>
@@ -3224,7 +3225,7 @@
             </p:txBody>
           </p:sp>
         </mc:Choice>
-        <mc:Fallback>
+        <mc:Fallback xmlns="">
           <p:sp>
             <p:nvSpPr>
               <p:cNvPr id="25" name="TextBox 24"/>
@@ -3327,8 +3328,8 @@
           </a:extLst>
         </p:spPr>
       </p:pic>
-      <mc:AlternateContent xmlns:mc="http://schemas.openxmlformats.org/markup-compatibility/2006">
-        <mc:Choice xmlns:a14="http://schemas.microsoft.com/office/drawing/2010/main" Requires="a14">
+      <mc:AlternateContent xmlns:mc="http://schemas.openxmlformats.org/markup-compatibility/2006" xmlns:a14="http://schemas.microsoft.com/office/drawing/2010/main">
+        <mc:Choice Requires="a14">
           <p:sp>
             <p:nvSpPr>
               <p:cNvPr id="28" name="TextBox 27"/>
@@ -3351,6 +3352,7 @@
               </a:bodyPr>
               <a:lstStyle/>
               <a:p>
+                <a:pPr/>
                 <a14:m>
                   <m:oMathPara xmlns:m="http://schemas.openxmlformats.org/officeDocument/2006/math">
                     <m:oMathParaPr>
@@ -3372,7 +3374,7 @@
             </p:txBody>
           </p:sp>
         </mc:Choice>
-        <mc:Fallback>
+        <mc:Fallback xmlns="">
           <p:sp>
             <p:nvSpPr>
               <p:cNvPr id="28" name="TextBox 27"/>
@@ -3411,8 +3413,8 @@
           </p:sp>
         </mc:Fallback>
       </mc:AlternateContent>
-      <mc:AlternateContent xmlns:mc="http://schemas.openxmlformats.org/markup-compatibility/2006">
-        <mc:Choice xmlns:a14="http://schemas.microsoft.com/office/drawing/2010/main" Requires="a14">
+      <mc:AlternateContent xmlns:mc="http://schemas.openxmlformats.org/markup-compatibility/2006" xmlns:a14="http://schemas.microsoft.com/office/drawing/2010/main">
+        <mc:Choice Requires="a14">
           <p:sp>
             <p:nvSpPr>
               <p:cNvPr id="29" name="TextBox 28"/>
@@ -3435,6 +3437,7 @@
               </a:bodyPr>
               <a:lstStyle/>
               <a:p>
+                <a:pPr/>
                 <a14:m>
                   <m:oMathPara xmlns:m="http://schemas.openxmlformats.org/officeDocument/2006/math">
                     <m:oMathParaPr>
@@ -3456,7 +3459,7 @@
             </p:txBody>
           </p:sp>
         </mc:Choice>
-        <mc:Fallback>
+        <mc:Fallback xmlns="">
           <p:sp>
             <p:nvSpPr>
               <p:cNvPr id="29" name="TextBox 28"/>
@@ -3495,8 +3498,8 @@
           </p:sp>
         </mc:Fallback>
       </mc:AlternateContent>
-      <mc:AlternateContent xmlns:mc="http://schemas.openxmlformats.org/markup-compatibility/2006">
-        <mc:Choice xmlns:a14="http://schemas.microsoft.com/office/drawing/2010/main" Requires="a14">
+      <mc:AlternateContent xmlns:mc="http://schemas.openxmlformats.org/markup-compatibility/2006" xmlns:a14="http://schemas.microsoft.com/office/drawing/2010/main">
+        <mc:Choice Requires="a14">
           <p:sp>
             <p:nvSpPr>
               <p:cNvPr id="22" name="TextBox 21"/>
@@ -3519,6 +3522,7 @@
               </a:bodyPr>
               <a:lstStyle/>
               <a:p>
+                <a:pPr/>
                 <a14:m>
                   <m:oMathPara xmlns:m="http://schemas.openxmlformats.org/officeDocument/2006/math">
                     <m:oMathParaPr>
@@ -3624,7 +3628,7 @@
             </p:txBody>
           </p:sp>
         </mc:Choice>
-        <mc:Fallback>
+        <mc:Fallback xmlns="">
           <p:sp>
             <p:nvSpPr>
               <p:cNvPr id="22" name="TextBox 21"/>
@@ -3663,8 +3667,8 @@
           </p:sp>
         </mc:Fallback>
       </mc:AlternateContent>
-      <mc:AlternateContent xmlns:mc="http://schemas.openxmlformats.org/markup-compatibility/2006">
-        <mc:Choice xmlns:a14="http://schemas.microsoft.com/office/drawing/2010/main" Requires="a14">
+      <mc:AlternateContent xmlns:mc="http://schemas.openxmlformats.org/markup-compatibility/2006" xmlns:a14="http://schemas.microsoft.com/office/drawing/2010/main">
+        <mc:Choice Requires="a14">
           <p:sp>
             <p:nvSpPr>
               <p:cNvPr id="30" name="TextBox 29"/>
@@ -3687,6 +3691,7 @@
               </a:bodyPr>
               <a:lstStyle/>
               <a:p>
+                <a:pPr/>
                 <a14:m>
                   <m:oMathPara xmlns:m="http://schemas.openxmlformats.org/officeDocument/2006/math">
                     <m:oMathParaPr>
@@ -3789,7 +3794,7 @@
             </p:txBody>
           </p:sp>
         </mc:Choice>
-        <mc:Fallback>
+        <mc:Fallback xmlns="">
           <p:sp>
             <p:nvSpPr>
               <p:cNvPr id="30" name="TextBox 29"/>
@@ -3828,8 +3833,8 @@
           </p:sp>
         </mc:Fallback>
       </mc:AlternateContent>
-      <mc:AlternateContent xmlns:mc="http://schemas.openxmlformats.org/markup-compatibility/2006">
-        <mc:Choice xmlns:a14="http://schemas.microsoft.com/office/drawing/2010/main" Requires="a14">
+      <mc:AlternateContent xmlns:mc="http://schemas.openxmlformats.org/markup-compatibility/2006" xmlns:a14="http://schemas.microsoft.com/office/drawing/2010/main">
+        <mc:Choice Requires="a14">
           <p:sp>
             <p:nvSpPr>
               <p:cNvPr id="31" name="TextBox 30"/>
@@ -3852,6 +3857,7 @@
               </a:bodyPr>
               <a:lstStyle/>
               <a:p>
+                <a:pPr/>
                 <a14:m>
                   <m:oMathPara xmlns:m="http://schemas.openxmlformats.org/officeDocument/2006/math">
                     <m:oMathParaPr>
@@ -3954,7 +3960,7 @@
             </p:txBody>
           </p:sp>
         </mc:Choice>
-        <mc:Fallback>
+        <mc:Fallback xmlns="">
           <p:sp>
             <p:nvSpPr>
               <p:cNvPr id="31" name="TextBox 30"/>
@@ -4017,6 +4023,7 @@
               </a:bodyPr>
               <a:lstStyle/>
               <a:p>
+                <a:pPr/>
                 <a14:m>
                   <m:oMathPara xmlns:m="http://schemas.openxmlformats.org/officeDocument/2006/math">
                     <m:oMathParaPr>
@@ -4107,10 +4114,10 @@
                                   <m:t>−</m:t>
                                 </m:r>
                                 <m:r>
-                                  <a:rPr lang="pt-PT" sz="2800" b="0" i="1" smtClean="0">
+                                  <a:rPr lang="pt-PT" sz="2800" b="1" i="0" smtClean="0">
                                     <a:latin typeface="Cambria Math"/>
                                   </a:rPr>
-                                  <m:t>𝑖</m:t>
+                                  <m:t>𝐢</m:t>
                                 </m:r>
                               </m:e>
                             </m:mr>
@@ -4188,6 +4195,1083 @@
               </a:bodyPr>
               <a:lstStyle/>
               <a:p>
+                <a:pPr/>
+                <a14:m>
+                  <m:oMathPara xmlns:m="http://schemas.openxmlformats.org/officeDocument/2006/math">
+                    <m:oMathParaPr>
+                      <m:jc m:val="centerGroup"/>
+                    </m:oMathParaPr>
+                    <m:oMath xmlns:m="http://schemas.openxmlformats.org/officeDocument/2006/math">
+                      <m:f>
+                        <m:fPr>
+                          <m:ctrlPr>
+                            <a:rPr lang="pt-PT" sz="2800" b="0" i="1" smtClean="0">
+                              <a:latin typeface="Cambria Math"/>
+                            </a:rPr>
+                          </m:ctrlPr>
+                        </m:fPr>
+                        <m:num>
+                          <m:r>
+                            <a:rPr lang="pt-PT" sz="2800" b="0" i="1" smtClean="0">
+                              <a:latin typeface="Cambria Math"/>
+                            </a:rPr>
+                            <m:t>1</m:t>
+                          </m:r>
+                        </m:num>
+                        <m:den>
+                          <m:rad>
+                            <m:radPr>
+                              <m:degHide m:val="on"/>
+                              <m:ctrlPr>
+                                <a:rPr lang="pt-PT" sz="2800" b="0" i="1" smtClean="0">
+                                  <a:latin typeface="Cambria Math"/>
+                                </a:rPr>
+                              </m:ctrlPr>
+                            </m:radPr>
+                            <m:deg/>
+                            <m:e>
+                              <m:r>
+                                <a:rPr lang="pt-PT" sz="2800" b="0" i="1" smtClean="0">
+                                  <a:latin typeface="Cambria Math"/>
+                                </a:rPr>
+                                <m:t>2</m:t>
+                              </m:r>
+                            </m:e>
+                          </m:rad>
+                        </m:den>
+                      </m:f>
+                      <m:d>
+                        <m:dPr>
+                          <m:begChr m:val="["/>
+                          <m:endChr m:val="]"/>
+                          <m:ctrlPr>
+                            <a:rPr lang="pt-PT" sz="2800" b="0" i="1" smtClean="0">
+                              <a:latin typeface="Cambria Math"/>
+                            </a:rPr>
+                          </m:ctrlPr>
+                        </m:dPr>
+                        <m:e>
+                          <m:m>
+                            <m:mPr>
+                              <m:mcs>
+                                <m:mc>
+                                  <m:mcPr>
+                                    <m:count m:val="1"/>
+                                    <m:mcJc m:val="center"/>
+                                  </m:mcPr>
+                                </m:mc>
+                              </m:mcs>
+                              <m:ctrlPr>
+                                <a:rPr lang="pt-PT" sz="2800" b="0" i="1" smtClean="0">
+                                  <a:latin typeface="Cambria Math"/>
+                                </a:rPr>
+                              </m:ctrlPr>
+                            </m:mPr>
+                            <m:mr>
+                              <m:e>
+                                <m:r>
+                                  <a:rPr lang="pt-PT" sz="2800" b="0" i="1" smtClean="0">
+                                    <a:latin typeface="Cambria Math"/>
+                                  </a:rPr>
+                                  <m:t>1</m:t>
+                                </m:r>
+                              </m:e>
+                            </m:mr>
+                            <m:mr>
+                              <m:e>
+                                <m:r>
+                                  <a:rPr lang="pt-PT" sz="2800" b="1" i="0" smtClean="0">
+                                    <a:latin typeface="Cambria Math"/>
+                                  </a:rPr>
+                                  <m:t>𝐢</m:t>
+                                </m:r>
+                              </m:e>
+                            </m:mr>
+                          </m:m>
+                        </m:e>
+                      </m:d>
+                    </m:oMath>
+                  </m:oMathPara>
+                </a14:m>
+                <a:endParaRPr lang="pt-PT" sz="2800" dirty="0"/>
+              </a:p>
+            </p:txBody>
+          </p:sp>
+        </mc:Choice>
+        <mc:Fallback>
+          <p:sp>
+            <p:nvSpPr>
+              <p:cNvPr id="33" name="TextBox 32"/>
+              <p:cNvSpPr txBox="1">
+                <a:spLocks noRot="1" noChangeAspect="1" noMove="1" noResize="1" noEditPoints="1" noAdjustHandles="1" noChangeArrowheads="1" noChangeShapeType="1" noTextEdit="1"/>
+              </p:cNvSpPr>
+              <p:nvPr/>
+            </p:nvSpPr>
+            <p:spPr>
+              <a:xfrm>
+                <a:off x="720658" y="4049507"/>
+                <a:ext cx="1221873" cy="982320"/>
+              </a:xfrm>
+              <a:prstGeom prst="rect">
+                <a:avLst/>
+              </a:prstGeom>
+              <a:blipFill rotWithShape="1">
+                <a:blip r:embed="rId10"/>
+                <a:stretch>
+                  <a:fillRect/>
+                </a:stretch>
+              </a:blipFill>
+            </p:spPr>
+            <p:txBody>
+              <a:bodyPr/>
+              <a:lstStyle/>
+              <a:p>
+                <a:r>
+                  <a:rPr lang="pt-PT">
+                    <a:noFill/>
+                  </a:rPr>
+                  <a:t> </a:t>
+                </a:r>
+              </a:p>
+            </p:txBody>
+          </p:sp>
+        </mc:Fallback>
+      </mc:AlternateContent>
+      <mc:AlternateContent xmlns:mc="http://schemas.openxmlformats.org/markup-compatibility/2006" xmlns:a14="http://schemas.microsoft.com/office/drawing/2010/main">
+        <mc:Choice Requires="a14">
+          <p:sp>
+            <p:nvSpPr>
+              <p:cNvPr id="34" name="TextBox 33"/>
+              <p:cNvSpPr txBox="1"/>
+              <p:nvPr/>
+            </p:nvSpPr>
+            <p:spPr>
+              <a:xfrm>
+                <a:off x="5535098" y="3700738"/>
+                <a:ext cx="538929" cy="523220"/>
+              </a:xfrm>
+              <a:prstGeom prst="rect">
+                <a:avLst/>
+              </a:prstGeom>
+              <a:noFill/>
+            </p:spPr>
+            <p:txBody>
+              <a:bodyPr wrap="none" rtlCol="0">
+                <a:spAutoFit/>
+              </a:bodyPr>
+              <a:lstStyle/>
+              <a:p>
+                <a:pPr/>
+                <a14:m>
+                  <m:oMathPara xmlns:m="http://schemas.openxmlformats.org/officeDocument/2006/math">
+                    <m:oMathParaPr>
+                      <m:jc m:val="centerGroup"/>
+                    </m:oMathParaPr>
+                    <m:oMath xmlns:m="http://schemas.openxmlformats.org/officeDocument/2006/math">
+                      <m:acc>
+                        <m:accPr>
+                          <m:chr m:val="̂"/>
+                          <m:ctrlPr>
+                            <a:rPr lang="pt-PT" sz="2800" b="0" i="1" smtClean="0">
+                              <a:latin typeface="Cambria Math"/>
+                            </a:rPr>
+                          </m:ctrlPr>
+                        </m:accPr>
+                        <m:e>
+                          <m:r>
+                            <a:rPr lang="pt-PT" sz="2800" b="0" i="1" smtClean="0">
+                              <a:latin typeface="Cambria Math"/>
+                            </a:rPr>
+                            <m:t>𝑥</m:t>
+                          </m:r>
+                          <m:r>
+                            <m:rPr>
+                              <m:nor/>
+                            </m:rPr>
+                            <a:rPr lang="pt-PT" sz="2800" dirty="0"/>
+                            <m:t> </m:t>
+                          </m:r>
+                        </m:e>
+                      </m:acc>
+                    </m:oMath>
+                  </m:oMathPara>
+                </a14:m>
+                <a:endParaRPr lang="pt-PT" sz="2800" dirty="0"/>
+              </a:p>
+            </p:txBody>
+          </p:sp>
+        </mc:Choice>
+        <mc:Fallback xmlns="">
+          <p:sp>
+            <p:nvSpPr>
+              <p:cNvPr id="34" name="TextBox 33"/>
+              <p:cNvSpPr txBox="1">
+                <a:spLocks noRot="1" noChangeAspect="1" noMove="1" noResize="1" noEditPoints="1" noAdjustHandles="1" noChangeArrowheads="1" noChangeShapeType="1" noTextEdit="1"/>
+              </p:cNvSpPr>
+              <p:nvPr/>
+            </p:nvSpPr>
+            <p:spPr>
+              <a:xfrm>
+                <a:off x="5535098" y="3700738"/>
+                <a:ext cx="538929" cy="523220"/>
+              </a:xfrm>
+              <a:prstGeom prst="rect">
+                <a:avLst/>
+              </a:prstGeom>
+              <a:blipFill rotWithShape="1">
+                <a:blip r:embed="rId11"/>
+                <a:stretch>
+                  <a:fillRect/>
+                </a:stretch>
+              </a:blipFill>
+            </p:spPr>
+            <p:txBody>
+              <a:bodyPr/>
+              <a:lstStyle/>
+              <a:p>
+                <a:r>
+                  <a:rPr lang="pt-PT">
+                    <a:noFill/>
+                  </a:rPr>
+                  <a:t> </a:t>
+                </a:r>
+              </a:p>
+            </p:txBody>
+          </p:sp>
+        </mc:Fallback>
+      </mc:AlternateContent>
+      <mc:AlternateContent xmlns:mc="http://schemas.openxmlformats.org/markup-compatibility/2006" xmlns:a14="http://schemas.microsoft.com/office/drawing/2010/main">
+        <mc:Choice Requires="a14">
+          <p:sp>
+            <p:nvSpPr>
+              <p:cNvPr id="36" name="TextBox 35"/>
+              <p:cNvSpPr txBox="1"/>
+              <p:nvPr/>
+            </p:nvSpPr>
+            <p:spPr>
+              <a:xfrm>
+                <a:off x="1867222" y="3563767"/>
+                <a:ext cx="548548" cy="523220"/>
+              </a:xfrm>
+              <a:prstGeom prst="rect">
+                <a:avLst/>
+              </a:prstGeom>
+              <a:noFill/>
+            </p:spPr>
+            <p:txBody>
+              <a:bodyPr wrap="none" rtlCol="0">
+                <a:spAutoFit/>
+              </a:bodyPr>
+              <a:lstStyle/>
+              <a:p>
+                <a:pPr/>
+                <a14:m>
+                  <m:oMathPara xmlns:m="http://schemas.openxmlformats.org/officeDocument/2006/math">
+                    <m:oMathParaPr>
+                      <m:jc m:val="centerGroup"/>
+                    </m:oMathParaPr>
+                    <m:oMath xmlns:m="http://schemas.openxmlformats.org/officeDocument/2006/math">
+                      <m:acc>
+                        <m:accPr>
+                          <m:chr m:val="̂"/>
+                          <m:ctrlPr>
+                            <a:rPr lang="pt-PT" sz="2800" b="0" i="1" smtClean="0">
+                              <a:latin typeface="Cambria Math"/>
+                            </a:rPr>
+                          </m:ctrlPr>
+                        </m:accPr>
+                        <m:e>
+                          <m:r>
+                            <a:rPr lang="pt-PT" sz="2800" b="0" i="1" smtClean="0">
+                              <a:latin typeface="Cambria Math"/>
+                            </a:rPr>
+                            <m:t>𝑦</m:t>
+                          </m:r>
+                          <m:r>
+                            <m:rPr>
+                              <m:nor/>
+                            </m:rPr>
+                            <a:rPr lang="pt-PT" sz="2800" dirty="0"/>
+                            <m:t> </m:t>
+                          </m:r>
+                        </m:e>
+                      </m:acc>
+                    </m:oMath>
+                  </m:oMathPara>
+                </a14:m>
+                <a:endParaRPr lang="pt-PT" sz="2800" dirty="0"/>
+              </a:p>
+            </p:txBody>
+          </p:sp>
+        </mc:Choice>
+        <mc:Fallback xmlns="">
+          <p:sp>
+            <p:nvSpPr>
+              <p:cNvPr id="36" name="TextBox 35"/>
+              <p:cNvSpPr txBox="1">
+                <a:spLocks noRot="1" noChangeAspect="1" noMove="1" noResize="1" noEditPoints="1" noAdjustHandles="1" noChangeArrowheads="1" noChangeShapeType="1" noTextEdit="1"/>
+              </p:cNvSpPr>
+              <p:nvPr/>
+            </p:nvSpPr>
+            <p:spPr>
+              <a:xfrm>
+                <a:off x="1867222" y="3563767"/>
+                <a:ext cx="548548" cy="523220"/>
+              </a:xfrm>
+              <a:prstGeom prst="rect">
+                <a:avLst/>
+              </a:prstGeom>
+              <a:blipFill rotWithShape="1">
+                <a:blip r:embed="rId12"/>
+                <a:stretch>
+                  <a:fillRect/>
+                </a:stretch>
+              </a:blipFill>
+            </p:spPr>
+            <p:txBody>
+              <a:bodyPr/>
+              <a:lstStyle/>
+              <a:p>
+                <a:r>
+                  <a:rPr lang="pt-PT">
+                    <a:noFill/>
+                  </a:rPr>
+                  <a:t> </a:t>
+                </a:r>
+              </a:p>
+            </p:txBody>
+          </p:sp>
+        </mc:Fallback>
+      </mc:AlternateContent>
+      <mc:AlternateContent xmlns:mc="http://schemas.openxmlformats.org/markup-compatibility/2006" xmlns:a14="http://schemas.microsoft.com/office/drawing/2010/main">
+        <mc:Choice Requires="a14">
+          <p:sp>
+            <p:nvSpPr>
+              <p:cNvPr id="37" name="TextBox 36"/>
+              <p:cNvSpPr txBox="1"/>
+              <p:nvPr/>
+            </p:nvSpPr>
+            <p:spPr>
+              <a:xfrm>
+                <a:off x="3574566" y="1135299"/>
+                <a:ext cx="521297" cy="523220"/>
+              </a:xfrm>
+              <a:prstGeom prst="rect">
+                <a:avLst/>
+              </a:prstGeom>
+              <a:noFill/>
+            </p:spPr>
+            <p:txBody>
+              <a:bodyPr wrap="none" rtlCol="0">
+                <a:spAutoFit/>
+              </a:bodyPr>
+              <a:lstStyle/>
+              <a:p>
+                <a:pPr/>
+                <a14:m>
+                  <m:oMathPara xmlns:m="http://schemas.openxmlformats.org/officeDocument/2006/math">
+                    <m:oMathParaPr>
+                      <m:jc m:val="centerGroup"/>
+                    </m:oMathParaPr>
+                    <m:oMath xmlns:m="http://schemas.openxmlformats.org/officeDocument/2006/math">
+                      <m:acc>
+                        <m:accPr>
+                          <m:chr m:val="̂"/>
+                          <m:ctrlPr>
+                            <a:rPr lang="pt-PT" sz="2800" b="0" i="1" smtClean="0">
+                              <a:latin typeface="Cambria Math"/>
+                            </a:rPr>
+                          </m:ctrlPr>
+                        </m:accPr>
+                        <m:e>
+                          <m:r>
+                            <a:rPr lang="pt-PT" sz="2800" b="0" i="1" smtClean="0">
+                              <a:latin typeface="Cambria Math"/>
+                            </a:rPr>
+                            <m:t>𝑧</m:t>
+                          </m:r>
+                          <m:r>
+                            <m:rPr>
+                              <m:nor/>
+                            </m:rPr>
+                            <a:rPr lang="pt-PT" sz="2800" dirty="0"/>
+                            <m:t> </m:t>
+                          </m:r>
+                        </m:e>
+                      </m:acc>
+                    </m:oMath>
+                  </m:oMathPara>
+                </a14:m>
+                <a:endParaRPr lang="pt-PT" sz="2800" dirty="0"/>
+              </a:p>
+            </p:txBody>
+          </p:sp>
+        </mc:Choice>
+        <mc:Fallback xmlns="">
+          <p:sp>
+            <p:nvSpPr>
+              <p:cNvPr id="37" name="TextBox 36"/>
+              <p:cNvSpPr txBox="1">
+                <a:spLocks noRot="1" noChangeAspect="1" noMove="1" noResize="1" noEditPoints="1" noAdjustHandles="1" noChangeArrowheads="1" noChangeShapeType="1" noTextEdit="1"/>
+              </p:cNvSpPr>
+              <p:nvPr/>
+            </p:nvSpPr>
+            <p:spPr>
+              <a:xfrm>
+                <a:off x="3574566" y="1135299"/>
+                <a:ext cx="521297" cy="523220"/>
+              </a:xfrm>
+              <a:prstGeom prst="rect">
+                <a:avLst/>
+              </a:prstGeom>
+              <a:blipFill rotWithShape="1">
+                <a:blip r:embed="rId13"/>
+                <a:stretch>
+                  <a:fillRect/>
+                </a:stretch>
+              </a:blipFill>
+            </p:spPr>
+            <p:txBody>
+              <a:bodyPr/>
+              <a:lstStyle/>
+              <a:p>
+                <a:r>
+                  <a:rPr lang="pt-PT">
+                    <a:noFill/>
+                  </a:rPr>
+                  <a:t> </a:t>
+                </a:r>
+              </a:p>
+            </p:txBody>
+          </p:sp>
+        </mc:Fallback>
+      </mc:AlternateContent>
+    </p:spTree>
+    <p:extLst>
+      <p:ext uri="{BB962C8B-B14F-4D97-AF65-F5344CB8AC3E}">
+        <p14:creationId xmlns:p14="http://schemas.microsoft.com/office/powerpoint/2010/main" val="2980187540"/>
+      </p:ext>
+    </p:extLst>
+  </p:cSld>
+  <p:clrMapOvr>
+    <a:masterClrMapping/>
+  </p:clrMapOvr>
+</p:sld>
+</file>
+
+<file path=ppt/slides/slide2.xml><?xml version="1.0" encoding="utf-8"?>
+<p:sld xmlns:a="http://schemas.openxmlformats.org/drawingml/2006/main" xmlns:r="http://schemas.openxmlformats.org/officeDocument/2006/relationships" xmlns:p="http://schemas.openxmlformats.org/presentationml/2006/main">
+  <p:cSld>
+    <p:spTree>
+      <p:nvGrpSpPr>
+        <p:cNvPr id="1" name=""/>
+        <p:cNvGrpSpPr/>
+        <p:nvPr/>
+      </p:nvGrpSpPr>
+      <p:grpSpPr>
+        <a:xfrm>
+          <a:off x="0" y="0"/>
+          <a:ext cx="0" cy="0"/>
+          <a:chOff x="0" y="0"/>
+          <a:chExt cx="0" cy="0"/>
+        </a:xfrm>
+      </p:grpSpPr>
+      <mc:AlternateContent xmlns:mc="http://schemas.openxmlformats.org/markup-compatibility/2006" xmlns:a14="http://schemas.microsoft.com/office/drawing/2010/main">
+        <mc:Choice Requires="a14">
+          <p:sp>
+            <p:nvSpPr>
+              <p:cNvPr id="25" name="TextBox 24"/>
+              <p:cNvSpPr txBox="1"/>
+              <p:nvPr/>
+            </p:nvSpPr>
+            <p:spPr>
+              <a:xfrm>
+                <a:off x="3998715" y="6039437"/>
+                <a:ext cx="1536383" cy="810799"/>
+              </a:xfrm>
+              <a:prstGeom prst="rect">
+                <a:avLst/>
+              </a:prstGeom>
+              <a:noFill/>
+            </p:spPr>
+            <p:txBody>
+              <a:bodyPr wrap="none" rtlCol="0">
+                <a:spAutoFit/>
+              </a:bodyPr>
+              <a:lstStyle/>
+              <a:p>
+                <a14:m>
+                  <m:oMath xmlns:m="http://schemas.openxmlformats.org/officeDocument/2006/math">
+                    <m:d>
+                      <m:dPr>
+                        <m:begChr m:val=""/>
+                        <m:endChr m:val="⟩"/>
+                        <m:ctrlPr>
+                          <a:rPr lang="pt-PT" sz="2800" i="1" smtClean="0">
+                            <a:latin typeface="Cambria Math"/>
+                          </a:rPr>
+                        </m:ctrlPr>
+                      </m:dPr>
+                      <m:e>
+                        <m:d>
+                          <m:dPr>
+                            <m:begChr m:val="|"/>
+                            <m:endChr m:val=""/>
+                            <m:ctrlPr>
+                              <a:rPr lang="pt-PT" sz="2800" i="1" smtClean="0">
+                                <a:latin typeface="Cambria Math"/>
+                              </a:rPr>
+                            </m:ctrlPr>
+                          </m:dPr>
+                          <m:e>
+                            <m:r>
+                              <a:rPr lang="pt-PT" sz="2800" b="0" i="1" smtClean="0">
+                                <a:latin typeface="Cambria Math"/>
+                              </a:rPr>
+                              <m:t>1</m:t>
+                            </m:r>
+                          </m:e>
+                        </m:d>
+                      </m:e>
+                    </m:d>
+                  </m:oMath>
+                </a14:m>
+                <a:r>
+                  <a:rPr lang="pt-PT" sz="2800" dirty="0" smtClean="0"/>
+                  <a:t> </a:t>
+                </a:r>
+                <a14:m>
+                  <m:oMath xmlns:m="http://schemas.openxmlformats.org/officeDocument/2006/math">
+                    <m:r>
+                      <a:rPr lang="pt-PT" sz="2800" b="0" i="1" smtClean="0">
+                        <a:latin typeface="Cambria Math"/>
+                      </a:rPr>
+                      <m:t>=</m:t>
+                    </m:r>
+                    <m:d>
+                      <m:dPr>
+                        <m:begChr m:val="["/>
+                        <m:endChr m:val="]"/>
+                        <m:ctrlPr>
+                          <a:rPr lang="pt-PT" sz="2800" b="0" i="1" smtClean="0">
+                            <a:latin typeface="Cambria Math"/>
+                          </a:rPr>
+                        </m:ctrlPr>
+                      </m:dPr>
+                      <m:e>
+                        <m:m>
+                          <m:mPr>
+                            <m:mcs>
+                              <m:mc>
+                                <m:mcPr>
+                                  <m:count m:val="1"/>
+                                  <m:mcJc m:val="center"/>
+                                </m:mcPr>
+                              </m:mc>
+                            </m:mcs>
+                            <m:ctrlPr>
+                              <a:rPr lang="pt-PT" sz="2800" b="0" i="1" smtClean="0">
+                                <a:latin typeface="Cambria Math"/>
+                              </a:rPr>
+                            </m:ctrlPr>
+                          </m:mPr>
+                          <m:mr>
+                            <m:e>
+                              <m:r>
+                                <a:rPr lang="pt-PT" sz="2800" b="0" i="1" smtClean="0">
+                                  <a:latin typeface="Cambria Math"/>
+                                </a:rPr>
+                                <m:t>0</m:t>
+                              </m:r>
+                            </m:e>
+                          </m:mr>
+                          <m:mr>
+                            <m:e>
+                              <m:r>
+                                <a:rPr lang="pt-PT" sz="2800" b="0" i="1" smtClean="0">
+                                  <a:latin typeface="Cambria Math"/>
+                                </a:rPr>
+                                <m:t>1</m:t>
+                              </m:r>
+                            </m:e>
+                          </m:mr>
+                        </m:m>
+                      </m:e>
+                    </m:d>
+                  </m:oMath>
+                </a14:m>
+                <a:endParaRPr lang="pt-PT" sz="2800" dirty="0"/>
+              </a:p>
+            </p:txBody>
+          </p:sp>
+        </mc:Choice>
+        <mc:Fallback xmlns="">
+          <p:sp>
+            <p:nvSpPr>
+              <p:cNvPr id="25" name="TextBox 24"/>
+              <p:cNvSpPr txBox="1">
+                <a:spLocks noRot="1" noChangeAspect="1" noMove="1" noResize="1" noEditPoints="1" noAdjustHandles="1" noChangeArrowheads="1" noChangeShapeType="1" noTextEdit="1"/>
+              </p:cNvSpPr>
+              <p:nvPr/>
+            </p:nvSpPr>
+            <p:spPr>
+              <a:xfrm>
+                <a:off x="3998715" y="6039437"/>
+                <a:ext cx="1536383" cy="810799"/>
+              </a:xfrm>
+              <a:prstGeom prst="rect">
+                <a:avLst/>
+              </a:prstGeom>
+              <a:blipFill rotWithShape="1">
+                <a:blip r:embed="rId2"/>
+                <a:stretch>
+                  <a:fillRect/>
+                </a:stretch>
+              </a:blipFill>
+            </p:spPr>
+            <p:txBody>
+              <a:bodyPr/>
+              <a:lstStyle/>
+              <a:p>
+                <a:r>
+                  <a:rPr lang="pt-PT">
+                    <a:noFill/>
+                  </a:rPr>
+                  <a:t> </a:t>
+                </a:r>
+              </a:p>
+            </p:txBody>
+          </p:sp>
+        </mc:Fallback>
+      </mc:AlternateContent>
+      <p:pic>
+        <p:nvPicPr>
+          <p:cNvPr id="1029" name="Picture 5"/>
+          <p:cNvPicPr>
+            <a:picLocks noChangeAspect="1" noChangeArrowheads="1"/>
+          </p:cNvPicPr>
+          <p:nvPr/>
+        </p:nvPicPr>
+        <p:blipFill>
+          <a:blip r:embed="rId3">
+            <a:extLst>
+              <a:ext uri="{28A0092B-C50C-407E-A947-70E740481C1C}">
+                <a14:useLocalDpi xmlns:a14="http://schemas.microsoft.com/office/drawing/2010/main" val="0"/>
+              </a:ext>
+            </a:extLst>
+          </a:blip>
+          <a:srcRect/>
+          <a:stretch>
+            <a:fillRect/>
+          </a:stretch>
+        </p:blipFill>
+        <p:spPr bwMode="auto">
+          <a:xfrm>
+            <a:off x="1303963" y="795146"/>
+            <a:ext cx="5611177" cy="5197068"/>
+          </a:xfrm>
+          <a:prstGeom prst="rect">
+            <a:avLst/>
+          </a:prstGeom>
+          <a:noFill/>
+          <a:ln>
+            <a:noFill/>
+          </a:ln>
+          <a:effectLst/>
+          <a:extLst>
+            <a:ext uri="{909E8E84-426E-40DD-AFC4-6F175D3DCCD1}">
+              <a14:hiddenFill xmlns:a14="http://schemas.microsoft.com/office/drawing/2010/main">
+                <a:solidFill>
+                  <a:schemeClr val="accent1"/>
+                </a:solidFill>
+              </a14:hiddenFill>
+            </a:ext>
+            <a:ext uri="{91240B29-F687-4F45-9708-019B960494DF}">
+              <a14:hiddenLine xmlns:a14="http://schemas.microsoft.com/office/drawing/2010/main" w="9525">
+                <a:solidFill>
+                  <a:schemeClr val="tx1"/>
+                </a:solidFill>
+                <a:miter lim="800000"/>
+                <a:headEnd/>
+                <a:tailEnd/>
+              </a14:hiddenLine>
+            </a:ext>
+            <a:ext uri="{AF507438-7753-43E0-B8FC-AC1667EBCBE1}">
+              <a14:hiddenEffects xmlns:a14="http://schemas.microsoft.com/office/drawing/2010/main">
+                <a:effectLst>
+                  <a:outerShdw dist="35921" dir="2700000" algn="ctr" rotWithShape="0">
+                    <a:schemeClr val="bg2"/>
+                  </a:outerShdw>
+                </a:effectLst>
+              </a14:hiddenEffects>
+            </a:ext>
+          </a:extLst>
+        </p:spPr>
+      </p:pic>
+      <mc:AlternateContent xmlns:mc="http://schemas.openxmlformats.org/markup-compatibility/2006" xmlns:a14="http://schemas.microsoft.com/office/drawing/2010/main">
+        <mc:Choice Requires="a14">
+          <p:sp>
+            <p:nvSpPr>
+              <p:cNvPr id="28" name="TextBox 27"/>
+              <p:cNvSpPr txBox="1"/>
+              <p:nvPr/>
+            </p:nvSpPr>
+            <p:spPr>
+              <a:xfrm>
+                <a:off x="4486586" y="2708910"/>
+                <a:ext cx="536942" cy="584775"/>
+              </a:xfrm>
+              <a:prstGeom prst="rect">
+                <a:avLst/>
+              </a:prstGeom>
+              <a:noFill/>
+            </p:spPr>
+            <p:txBody>
+              <a:bodyPr wrap="none" rtlCol="0">
+                <a:spAutoFit/>
+              </a:bodyPr>
+              <a:lstStyle/>
+              <a:p>
+                <a:pPr/>
+                <a14:m>
+                  <m:oMathPara xmlns:m="http://schemas.openxmlformats.org/officeDocument/2006/math">
+                    <m:oMathParaPr>
+                      <m:jc m:val="centerGroup"/>
+                    </m:oMathParaPr>
+                    <m:oMath xmlns:m="http://schemas.openxmlformats.org/officeDocument/2006/math">
+                      <m:r>
+                        <a:rPr lang="pt-PT" sz="3200" i="1" smtClean="0">
+                          <a:latin typeface="Cambria Math"/>
+                          <a:ea typeface="Cambria Math"/>
+                        </a:rPr>
+                        <m:t>𝛼</m:t>
+                      </m:r>
+                    </m:oMath>
+                  </m:oMathPara>
+                </a14:m>
+                <a:endParaRPr lang="pt-PT" dirty="0"/>
+              </a:p>
+            </p:txBody>
+          </p:sp>
+        </mc:Choice>
+        <mc:Fallback xmlns="">
+          <p:sp>
+            <p:nvSpPr>
+              <p:cNvPr id="28" name="TextBox 27"/>
+              <p:cNvSpPr txBox="1">
+                <a:spLocks noRot="1" noChangeAspect="1" noMove="1" noResize="1" noEditPoints="1" noAdjustHandles="1" noChangeArrowheads="1" noChangeShapeType="1" noTextEdit="1"/>
+              </p:cNvSpPr>
+              <p:nvPr/>
+            </p:nvSpPr>
+            <p:spPr>
+              <a:xfrm>
+                <a:off x="4486586" y="2708910"/>
+                <a:ext cx="536942" cy="584775"/>
+              </a:xfrm>
+              <a:prstGeom prst="rect">
+                <a:avLst/>
+              </a:prstGeom>
+              <a:blipFill rotWithShape="1">
+                <a:blip r:embed="rId4"/>
+                <a:stretch>
+                  <a:fillRect/>
+                </a:stretch>
+              </a:blipFill>
+            </p:spPr>
+            <p:txBody>
+              <a:bodyPr/>
+              <a:lstStyle/>
+              <a:p>
+                <a:r>
+                  <a:rPr lang="pt-PT">
+                    <a:noFill/>
+                  </a:rPr>
+                  <a:t> </a:t>
+                </a:r>
+              </a:p>
+            </p:txBody>
+          </p:sp>
+        </mc:Fallback>
+      </mc:AlternateContent>
+      <mc:AlternateContent xmlns:mc="http://schemas.openxmlformats.org/markup-compatibility/2006" xmlns:a14="http://schemas.microsoft.com/office/drawing/2010/main">
+        <mc:Choice Requires="a14">
+          <p:sp>
+            <p:nvSpPr>
+              <p:cNvPr id="29" name="TextBox 28"/>
+              <p:cNvSpPr txBox="1"/>
+              <p:nvPr/>
+            </p:nvSpPr>
+            <p:spPr>
+              <a:xfrm>
+                <a:off x="4486586" y="3757120"/>
+                <a:ext cx="536942" cy="584775"/>
+              </a:xfrm>
+              <a:prstGeom prst="rect">
+                <a:avLst/>
+              </a:prstGeom>
+              <a:noFill/>
+            </p:spPr>
+            <p:txBody>
+              <a:bodyPr wrap="none" rtlCol="0">
+                <a:spAutoFit/>
+              </a:bodyPr>
+              <a:lstStyle/>
+              <a:p>
+                <a:pPr/>
+                <a14:m>
+                  <m:oMathPara xmlns:m="http://schemas.openxmlformats.org/officeDocument/2006/math">
+                    <m:oMathParaPr>
+                      <m:jc m:val="centerGroup"/>
+                    </m:oMathParaPr>
+                    <m:oMath xmlns:m="http://schemas.openxmlformats.org/officeDocument/2006/math">
+                      <m:r>
+                        <a:rPr lang="pt-PT" sz="3200" i="1" smtClean="0">
+                          <a:latin typeface="Cambria Math"/>
+                          <a:ea typeface="Cambria Math"/>
+                        </a:rPr>
+                        <m:t>𝛽</m:t>
+                      </m:r>
+                    </m:oMath>
+                  </m:oMathPara>
+                </a14:m>
+                <a:endParaRPr lang="pt-PT" dirty="0"/>
+              </a:p>
+            </p:txBody>
+          </p:sp>
+        </mc:Choice>
+        <mc:Fallback xmlns="">
+          <p:sp>
+            <p:nvSpPr>
+              <p:cNvPr id="29" name="TextBox 28"/>
+              <p:cNvSpPr txBox="1">
+                <a:spLocks noRot="1" noChangeAspect="1" noMove="1" noResize="1" noEditPoints="1" noAdjustHandles="1" noChangeArrowheads="1" noChangeShapeType="1" noTextEdit="1"/>
+              </p:cNvSpPr>
+              <p:nvPr/>
+            </p:nvSpPr>
+            <p:spPr>
+              <a:xfrm>
+                <a:off x="4486586" y="3757120"/>
+                <a:ext cx="536942" cy="584775"/>
+              </a:xfrm>
+              <a:prstGeom prst="rect">
+                <a:avLst/>
+              </a:prstGeom>
+              <a:blipFill rotWithShape="1">
+                <a:blip r:embed="rId5"/>
+                <a:stretch>
+                  <a:fillRect/>
+                </a:stretch>
+              </a:blipFill>
+            </p:spPr>
+            <p:txBody>
+              <a:bodyPr/>
+              <a:lstStyle/>
+              <a:p>
+                <a:r>
+                  <a:rPr lang="pt-PT">
+                    <a:noFill/>
+                  </a:rPr>
+                  <a:t> </a:t>
+                </a:r>
+              </a:p>
+            </p:txBody>
+          </p:sp>
+        </mc:Fallback>
+      </mc:AlternateContent>
+      <mc:AlternateContent xmlns:mc="http://schemas.openxmlformats.org/markup-compatibility/2006" xmlns:a14="http://schemas.microsoft.com/office/drawing/2010/main">
+        <mc:Choice Requires="a14">
+          <p:sp>
+            <p:nvSpPr>
+              <p:cNvPr id="22" name="TextBox 21"/>
+              <p:cNvSpPr txBox="1"/>
+              <p:nvPr/>
+            </p:nvSpPr>
+            <p:spPr>
+              <a:xfrm>
+                <a:off x="3528038" y="188594"/>
+                <a:ext cx="2454037" cy="810799"/>
+              </a:xfrm>
+              <a:prstGeom prst="rect">
+                <a:avLst/>
+              </a:prstGeom>
+              <a:noFill/>
+            </p:spPr>
+            <p:txBody>
+              <a:bodyPr wrap="square" rtlCol="0">
+                <a:spAutoFit/>
+              </a:bodyPr>
+              <a:lstStyle/>
+              <a:p>
+                <a:pPr/>
+                <a14:m>
+                  <m:oMathPara xmlns:m="http://schemas.openxmlformats.org/officeDocument/2006/math">
+                    <m:oMathParaPr>
+                      <m:jc m:val="centerGroup"/>
+                    </m:oMathParaPr>
+                    <m:oMath xmlns:m="http://schemas.openxmlformats.org/officeDocument/2006/math">
+                      <m:d>
+                        <m:dPr>
+                          <m:begChr m:val=""/>
+                          <m:endChr m:val="⟩"/>
+                          <m:ctrlPr>
+                            <a:rPr lang="pt-PT" sz="2800" i="1" smtClean="0">
+                              <a:latin typeface="Cambria Math"/>
+                            </a:rPr>
+                          </m:ctrlPr>
+                        </m:dPr>
+                        <m:e>
+                          <m:d>
+                            <m:dPr>
+                              <m:begChr m:val="|"/>
+                              <m:endChr m:val=""/>
+                              <m:ctrlPr>
+                                <a:rPr lang="pt-PT" sz="2800" i="1" smtClean="0">
+                                  <a:latin typeface="Cambria Math"/>
+                                </a:rPr>
+                              </m:ctrlPr>
+                            </m:dPr>
+                            <m:e>
+                              <m:r>
+                                <a:rPr lang="pt-PT" sz="2800" b="0" i="1" smtClean="0">
+                                  <a:latin typeface="Cambria Math"/>
+                                </a:rPr>
+                                <m:t>0</m:t>
+                              </m:r>
+                            </m:e>
+                          </m:d>
+                        </m:e>
+                      </m:d>
+                      <m:r>
+                        <a:rPr lang="pt-PT" sz="2800" b="0" i="1" smtClean="0">
+                          <a:latin typeface="Cambria Math"/>
+                        </a:rPr>
+                        <m:t>=</m:t>
+                      </m:r>
+                      <m:d>
+                        <m:dPr>
+                          <m:begChr m:val="["/>
+                          <m:endChr m:val="]"/>
+                          <m:ctrlPr>
+                            <a:rPr lang="pt-PT" sz="2800" b="0" i="1" smtClean="0">
+                              <a:latin typeface="Cambria Math"/>
+                            </a:rPr>
+                          </m:ctrlPr>
+                        </m:dPr>
+                        <m:e>
+                          <m:m>
+                            <m:mPr>
+                              <m:mcs>
+                                <m:mc>
+                                  <m:mcPr>
+                                    <m:count m:val="1"/>
+                                    <m:mcJc m:val="center"/>
+                                  </m:mcPr>
+                                </m:mc>
+                              </m:mcs>
+                              <m:ctrlPr>
+                                <a:rPr lang="pt-PT" sz="2800" b="0" i="1" smtClean="0">
+                                  <a:latin typeface="Cambria Math"/>
+                                </a:rPr>
+                              </m:ctrlPr>
+                            </m:mPr>
+                            <m:mr>
+                              <m:e>
+                                <m:r>
+                                  <m:rPr>
+                                    <m:brk m:alnAt="7"/>
+                                  </m:rPr>
+                                  <a:rPr lang="pt-PT" sz="2800" b="0" i="1" smtClean="0">
+                                    <a:latin typeface="Cambria Math"/>
+                                  </a:rPr>
+                                  <m:t>1</m:t>
+                                </m:r>
+                              </m:e>
+                            </m:mr>
+                            <m:mr>
+                              <m:e>
+                                <m:r>
+                                  <a:rPr lang="pt-PT" sz="2800" b="0" i="1" smtClean="0">
+                                    <a:latin typeface="Cambria Math"/>
+                                  </a:rPr>
+                                  <m:t>0</m:t>
+                                </m:r>
+                              </m:e>
+                            </m:mr>
+                          </m:m>
+                        </m:e>
+                      </m:d>
+                    </m:oMath>
+                  </m:oMathPara>
+                </a14:m>
+                <a:endParaRPr lang="pt-PT" sz="2800" dirty="0"/>
+              </a:p>
+            </p:txBody>
+          </p:sp>
+        </mc:Choice>
+        <mc:Fallback xmlns="">
+          <p:sp>
+            <p:nvSpPr>
+              <p:cNvPr id="22" name="TextBox 21"/>
+              <p:cNvSpPr txBox="1">
+                <a:spLocks noRot="1" noChangeAspect="1" noMove="1" noResize="1" noEditPoints="1" noAdjustHandles="1" noChangeArrowheads="1" noChangeShapeType="1" noTextEdit="1"/>
+              </p:cNvSpPr>
+              <p:nvPr/>
+            </p:nvSpPr>
+            <p:spPr>
+              <a:xfrm>
+                <a:off x="3528038" y="188594"/>
+                <a:ext cx="2454037" cy="810799"/>
+              </a:xfrm>
+              <a:prstGeom prst="rect">
+                <a:avLst/>
+              </a:prstGeom>
+              <a:blipFill rotWithShape="1">
+                <a:blip r:embed="rId6"/>
+                <a:stretch>
+                  <a:fillRect/>
+                </a:stretch>
+              </a:blipFill>
+            </p:spPr>
+            <p:txBody>
+              <a:bodyPr/>
+              <a:lstStyle/>
+              <a:p>
+                <a:r>
+                  <a:rPr lang="pt-PT">
+                    <a:noFill/>
+                  </a:rPr>
+                  <a:t> </a:t>
+                </a:r>
+              </a:p>
+            </p:txBody>
+          </p:sp>
+        </mc:Fallback>
+      </mc:AlternateContent>
+      <mc:AlternateContent xmlns:mc="http://schemas.openxmlformats.org/markup-compatibility/2006" xmlns:a14="http://schemas.microsoft.com/office/drawing/2010/main">
+        <mc:Choice Requires="a14">
+          <p:sp>
+            <p:nvSpPr>
+              <p:cNvPr id="30" name="TextBox 29"/>
+              <p:cNvSpPr txBox="1"/>
+              <p:nvPr/>
+            </p:nvSpPr>
+            <p:spPr>
+              <a:xfrm>
+                <a:off x="5982075" y="4149090"/>
+                <a:ext cx="1221873" cy="982320"/>
+              </a:xfrm>
+              <a:prstGeom prst="rect">
+                <a:avLst/>
+              </a:prstGeom>
+              <a:noFill/>
+            </p:spPr>
+            <p:txBody>
+              <a:bodyPr wrap="none" rtlCol="0">
+                <a:spAutoFit/>
+              </a:bodyPr>
+              <a:lstStyle/>
+              <a:p>
+                <a:pPr/>
                 <a14:m>
                   <m:oMathPara xmlns:m="http://schemas.openxmlformats.org/officeDocument/2006/math">
                     <m:oMathParaPr>
@@ -4275,7 +5359,511 @@
                                   <a:rPr lang="pt-PT" sz="2800" b="0" i="1" smtClean="0">
                                     <a:latin typeface="Cambria Math"/>
                                   </a:rPr>
-                                  <m:t>𝑖</m:t>
+                                  <m:t>1</m:t>
+                                </m:r>
+                              </m:e>
+                            </m:mr>
+                          </m:m>
+                        </m:e>
+                      </m:d>
+                    </m:oMath>
+                  </m:oMathPara>
+                </a14:m>
+                <a:endParaRPr lang="pt-PT" sz="2800" dirty="0"/>
+              </a:p>
+            </p:txBody>
+          </p:sp>
+        </mc:Choice>
+        <mc:Fallback xmlns="">
+          <p:sp>
+            <p:nvSpPr>
+              <p:cNvPr id="30" name="TextBox 29"/>
+              <p:cNvSpPr txBox="1">
+                <a:spLocks noRot="1" noChangeAspect="1" noMove="1" noResize="1" noEditPoints="1" noAdjustHandles="1" noChangeArrowheads="1" noChangeShapeType="1" noTextEdit="1"/>
+              </p:cNvSpPr>
+              <p:nvPr/>
+            </p:nvSpPr>
+            <p:spPr>
+              <a:xfrm>
+                <a:off x="5982075" y="4149090"/>
+                <a:ext cx="1221873" cy="982320"/>
+              </a:xfrm>
+              <a:prstGeom prst="rect">
+                <a:avLst/>
+              </a:prstGeom>
+              <a:blipFill rotWithShape="1">
+                <a:blip r:embed="rId7"/>
+                <a:stretch>
+                  <a:fillRect/>
+                </a:stretch>
+              </a:blipFill>
+            </p:spPr>
+            <p:txBody>
+              <a:bodyPr/>
+              <a:lstStyle/>
+              <a:p>
+                <a:r>
+                  <a:rPr lang="pt-PT">
+                    <a:noFill/>
+                  </a:rPr>
+                  <a:t> </a:t>
+                </a:r>
+              </a:p>
+            </p:txBody>
+          </p:sp>
+        </mc:Fallback>
+      </mc:AlternateContent>
+      <mc:AlternateContent xmlns:mc="http://schemas.openxmlformats.org/markup-compatibility/2006" xmlns:a14="http://schemas.microsoft.com/office/drawing/2010/main">
+        <mc:Choice Requires="a14">
+          <p:sp>
+            <p:nvSpPr>
+              <p:cNvPr id="31" name="TextBox 30"/>
+              <p:cNvSpPr txBox="1"/>
+              <p:nvPr/>
+            </p:nvSpPr>
+            <p:spPr>
+              <a:xfrm>
+                <a:off x="1331595" y="1729592"/>
+                <a:ext cx="1489575" cy="982320"/>
+              </a:xfrm>
+              <a:prstGeom prst="rect">
+                <a:avLst/>
+              </a:prstGeom>
+              <a:noFill/>
+            </p:spPr>
+            <p:txBody>
+              <a:bodyPr wrap="none" rtlCol="0">
+                <a:spAutoFit/>
+              </a:bodyPr>
+              <a:lstStyle/>
+              <a:p>
+                <a:pPr/>
+                <a14:m>
+                  <m:oMathPara xmlns:m="http://schemas.openxmlformats.org/officeDocument/2006/math">
+                    <m:oMathParaPr>
+                      <m:jc m:val="centerGroup"/>
+                    </m:oMathParaPr>
+                    <m:oMath xmlns:m="http://schemas.openxmlformats.org/officeDocument/2006/math">
+                      <m:f>
+                        <m:fPr>
+                          <m:ctrlPr>
+                            <a:rPr lang="pt-PT" sz="2800" b="0" i="1" smtClean="0">
+                              <a:latin typeface="Cambria Math"/>
+                            </a:rPr>
+                          </m:ctrlPr>
+                        </m:fPr>
+                        <m:num>
+                          <m:r>
+                            <a:rPr lang="pt-PT" sz="2800" b="0" i="1" smtClean="0">
+                              <a:latin typeface="Cambria Math"/>
+                            </a:rPr>
+                            <m:t>1</m:t>
+                          </m:r>
+                        </m:num>
+                        <m:den>
+                          <m:rad>
+                            <m:radPr>
+                              <m:degHide m:val="on"/>
+                              <m:ctrlPr>
+                                <a:rPr lang="pt-PT" sz="2800" b="0" i="1" smtClean="0">
+                                  <a:latin typeface="Cambria Math"/>
+                                </a:rPr>
+                              </m:ctrlPr>
+                            </m:radPr>
+                            <m:deg/>
+                            <m:e>
+                              <m:r>
+                                <a:rPr lang="pt-PT" sz="2800" b="0" i="1" smtClean="0">
+                                  <a:latin typeface="Cambria Math"/>
+                                </a:rPr>
+                                <m:t>2</m:t>
+                              </m:r>
+                            </m:e>
+                          </m:rad>
+                        </m:den>
+                      </m:f>
+                      <m:d>
+                        <m:dPr>
+                          <m:begChr m:val="["/>
+                          <m:endChr m:val="]"/>
+                          <m:ctrlPr>
+                            <a:rPr lang="pt-PT" sz="2800" b="0" i="1" smtClean="0">
+                              <a:latin typeface="Cambria Math"/>
+                            </a:rPr>
+                          </m:ctrlPr>
+                        </m:dPr>
+                        <m:e>
+                          <m:m>
+                            <m:mPr>
+                              <m:mcs>
+                                <m:mc>
+                                  <m:mcPr>
+                                    <m:count m:val="1"/>
+                                    <m:mcJc m:val="center"/>
+                                  </m:mcPr>
+                                </m:mc>
+                              </m:mcs>
+                              <m:ctrlPr>
+                                <a:rPr lang="pt-PT" sz="2800" b="0" i="1" smtClean="0">
+                                  <a:latin typeface="Cambria Math"/>
+                                </a:rPr>
+                              </m:ctrlPr>
+                            </m:mPr>
+                            <m:mr>
+                              <m:e>
+                                <m:r>
+                                  <a:rPr lang="pt-PT" sz="2800" b="0" i="1" smtClean="0">
+                                    <a:latin typeface="Cambria Math"/>
+                                  </a:rPr>
+                                  <m:t>1</m:t>
+                                </m:r>
+                              </m:e>
+                            </m:mr>
+                            <m:mr>
+                              <m:e>
+                                <m:r>
+                                  <a:rPr lang="pt-PT" sz="2800" b="0" i="1" smtClean="0">
+                                    <a:latin typeface="Cambria Math"/>
+                                  </a:rPr>
+                                  <m:t>−1</m:t>
+                                </m:r>
+                              </m:e>
+                            </m:mr>
+                          </m:m>
+                        </m:e>
+                      </m:d>
+                    </m:oMath>
+                  </m:oMathPara>
+                </a14:m>
+                <a:endParaRPr lang="pt-PT" sz="2800" dirty="0"/>
+              </a:p>
+            </p:txBody>
+          </p:sp>
+        </mc:Choice>
+        <mc:Fallback xmlns="">
+          <p:sp>
+            <p:nvSpPr>
+              <p:cNvPr id="31" name="TextBox 30"/>
+              <p:cNvSpPr txBox="1">
+                <a:spLocks noRot="1" noChangeAspect="1" noMove="1" noResize="1" noEditPoints="1" noAdjustHandles="1" noChangeArrowheads="1" noChangeShapeType="1" noTextEdit="1"/>
+              </p:cNvSpPr>
+              <p:nvPr/>
+            </p:nvSpPr>
+            <p:spPr>
+              <a:xfrm>
+                <a:off x="1331595" y="1729592"/>
+                <a:ext cx="1489575" cy="982320"/>
+              </a:xfrm>
+              <a:prstGeom prst="rect">
+                <a:avLst/>
+              </a:prstGeom>
+              <a:blipFill rotWithShape="1">
+                <a:blip r:embed="rId8"/>
+                <a:stretch>
+                  <a:fillRect/>
+                </a:stretch>
+              </a:blipFill>
+            </p:spPr>
+            <p:txBody>
+              <a:bodyPr/>
+              <a:lstStyle/>
+              <a:p>
+                <a:r>
+                  <a:rPr lang="pt-PT">
+                    <a:noFill/>
+                  </a:rPr>
+                  <a:t> </a:t>
+                </a:r>
+              </a:p>
+            </p:txBody>
+          </p:sp>
+        </mc:Fallback>
+      </mc:AlternateContent>
+      <mc:AlternateContent xmlns:mc="http://schemas.openxmlformats.org/markup-compatibility/2006">
+        <mc:Choice xmlns:a14="http://schemas.microsoft.com/office/drawing/2010/main" Requires="a14">
+          <p:sp>
+            <p:nvSpPr>
+              <p:cNvPr id="32" name="TextBox 31"/>
+              <p:cNvSpPr txBox="1"/>
+              <p:nvPr/>
+            </p:nvSpPr>
+            <p:spPr>
+              <a:xfrm>
+                <a:off x="5936932" y="2018977"/>
+                <a:ext cx="1416029" cy="982320"/>
+              </a:xfrm>
+              <a:prstGeom prst="rect">
+                <a:avLst/>
+              </a:prstGeom>
+              <a:noFill/>
+            </p:spPr>
+            <p:txBody>
+              <a:bodyPr wrap="none" rtlCol="0">
+                <a:spAutoFit/>
+              </a:bodyPr>
+              <a:lstStyle/>
+              <a:p>
+                <a:pPr/>
+                <a14:m>
+                  <m:oMathPara xmlns:m="http://schemas.openxmlformats.org/officeDocument/2006/math">
+                    <m:oMathParaPr>
+                      <m:jc m:val="centerGroup"/>
+                    </m:oMathParaPr>
+                    <m:oMath xmlns:m="http://schemas.openxmlformats.org/officeDocument/2006/math">
+                      <m:f>
+                        <m:fPr>
+                          <m:ctrlPr>
+                            <a:rPr lang="pt-PT" sz="2800" b="0" i="1" smtClean="0">
+                              <a:latin typeface="Cambria Math"/>
+                            </a:rPr>
+                          </m:ctrlPr>
+                        </m:fPr>
+                        <m:num>
+                          <m:r>
+                            <a:rPr lang="pt-PT" sz="2800" b="0" i="1" smtClean="0">
+                              <a:latin typeface="Cambria Math"/>
+                            </a:rPr>
+                            <m:t>1</m:t>
+                          </m:r>
+                        </m:num>
+                        <m:den>
+                          <m:rad>
+                            <m:radPr>
+                              <m:degHide m:val="on"/>
+                              <m:ctrlPr>
+                                <a:rPr lang="pt-PT" sz="2800" b="0" i="1" smtClean="0">
+                                  <a:latin typeface="Cambria Math"/>
+                                </a:rPr>
+                              </m:ctrlPr>
+                            </m:radPr>
+                            <m:deg/>
+                            <m:e>
+                              <m:r>
+                                <a:rPr lang="pt-PT" sz="2800" b="0" i="1" smtClean="0">
+                                  <a:latin typeface="Cambria Math"/>
+                                </a:rPr>
+                                <m:t>2</m:t>
+                              </m:r>
+                            </m:e>
+                          </m:rad>
+                        </m:den>
+                      </m:f>
+                      <m:d>
+                        <m:dPr>
+                          <m:begChr m:val="["/>
+                          <m:endChr m:val="]"/>
+                          <m:ctrlPr>
+                            <a:rPr lang="pt-PT" sz="2800" b="0" i="1" smtClean="0">
+                              <a:latin typeface="Cambria Math"/>
+                            </a:rPr>
+                          </m:ctrlPr>
+                        </m:dPr>
+                        <m:e>
+                          <m:m>
+                            <m:mPr>
+                              <m:mcs>
+                                <m:mc>
+                                  <m:mcPr>
+                                    <m:count m:val="1"/>
+                                    <m:mcJc m:val="center"/>
+                                  </m:mcPr>
+                                </m:mc>
+                              </m:mcs>
+                              <m:ctrlPr>
+                                <a:rPr lang="pt-PT" sz="2800" b="0" i="1" smtClean="0">
+                                  <a:latin typeface="Cambria Math"/>
+                                </a:rPr>
+                              </m:ctrlPr>
+                            </m:mPr>
+                            <m:mr>
+                              <m:e>
+                                <m:r>
+                                  <a:rPr lang="pt-PT" sz="2800" b="0" i="1" smtClean="0">
+                                    <a:latin typeface="Cambria Math"/>
+                                  </a:rPr>
+                                  <m:t>1</m:t>
+                                </m:r>
+                              </m:e>
+                            </m:mr>
+                            <m:mr>
+                              <m:e>
+                                <m:r>
+                                  <a:rPr lang="pt-PT" sz="2800" b="0" i="1" smtClean="0">
+                                    <a:latin typeface="Cambria Math"/>
+                                  </a:rPr>
+                                  <m:t>−</m:t>
+                                </m:r>
+                                <m:r>
+                                  <a:rPr lang="pt-PT" sz="2800" b="1" i="0" smtClean="0">
+                                    <a:latin typeface="Cambria Math"/>
+                                  </a:rPr>
+                                  <m:t>𝐢</m:t>
+                                </m:r>
+                              </m:e>
+                            </m:mr>
+                          </m:m>
+                        </m:e>
+                      </m:d>
+                    </m:oMath>
+                  </m:oMathPara>
+                </a14:m>
+                <a:endParaRPr lang="pt-PT" sz="2800" dirty="0"/>
+              </a:p>
+            </p:txBody>
+          </p:sp>
+        </mc:Choice>
+        <mc:Fallback>
+          <p:sp>
+            <p:nvSpPr>
+              <p:cNvPr id="32" name="TextBox 31"/>
+              <p:cNvSpPr txBox="1">
+                <a:spLocks noRot="1" noChangeAspect="1" noMove="1" noResize="1" noEditPoints="1" noAdjustHandles="1" noChangeArrowheads="1" noChangeShapeType="1" noTextEdit="1"/>
+              </p:cNvSpPr>
+              <p:nvPr/>
+            </p:nvSpPr>
+            <p:spPr>
+              <a:xfrm>
+                <a:off x="5936932" y="2018977"/>
+                <a:ext cx="1416029" cy="982320"/>
+              </a:xfrm>
+              <a:prstGeom prst="rect">
+                <a:avLst/>
+              </a:prstGeom>
+              <a:blipFill rotWithShape="1">
+                <a:blip r:embed="rId9"/>
+                <a:stretch>
+                  <a:fillRect/>
+                </a:stretch>
+              </a:blipFill>
+            </p:spPr>
+            <p:txBody>
+              <a:bodyPr/>
+              <a:lstStyle/>
+              <a:p>
+                <a:r>
+                  <a:rPr lang="pt-PT">
+                    <a:noFill/>
+                  </a:rPr>
+                  <a:t> </a:t>
+                </a:r>
+              </a:p>
+            </p:txBody>
+          </p:sp>
+        </mc:Fallback>
+      </mc:AlternateContent>
+      <mc:AlternateContent xmlns:mc="http://schemas.openxmlformats.org/markup-compatibility/2006">
+        <mc:Choice xmlns:a14="http://schemas.microsoft.com/office/drawing/2010/main" Requires="a14">
+          <p:sp>
+            <p:nvSpPr>
+              <p:cNvPr id="33" name="TextBox 32"/>
+              <p:cNvSpPr txBox="1"/>
+              <p:nvPr/>
+            </p:nvSpPr>
+            <p:spPr>
+              <a:xfrm>
+                <a:off x="720658" y="4049507"/>
+                <a:ext cx="1221873" cy="982320"/>
+              </a:xfrm>
+              <a:prstGeom prst="rect">
+                <a:avLst/>
+              </a:prstGeom>
+              <a:noFill/>
+            </p:spPr>
+            <p:txBody>
+              <a:bodyPr wrap="none" rtlCol="0">
+                <a:spAutoFit/>
+              </a:bodyPr>
+              <a:lstStyle/>
+              <a:p>
+                <a:pPr/>
+                <a14:m>
+                  <m:oMathPara xmlns:m="http://schemas.openxmlformats.org/officeDocument/2006/math">
+                    <m:oMathParaPr>
+                      <m:jc m:val="centerGroup"/>
+                    </m:oMathParaPr>
+                    <m:oMath xmlns:m="http://schemas.openxmlformats.org/officeDocument/2006/math">
+                      <m:f>
+                        <m:fPr>
+                          <m:ctrlPr>
+                            <a:rPr lang="pt-PT" sz="2800" b="0" i="1" smtClean="0">
+                              <a:latin typeface="Cambria Math"/>
+                            </a:rPr>
+                          </m:ctrlPr>
+                        </m:fPr>
+                        <m:num>
+                          <m:r>
+                            <a:rPr lang="pt-PT" sz="2800" b="0" i="1" smtClean="0">
+                              <a:latin typeface="Cambria Math"/>
+                            </a:rPr>
+                            <m:t>1</m:t>
+                          </m:r>
+                        </m:num>
+                        <m:den>
+                          <m:rad>
+                            <m:radPr>
+                              <m:degHide m:val="on"/>
+                              <m:ctrlPr>
+                                <a:rPr lang="pt-PT" sz="2800" b="0" i="1" smtClean="0">
+                                  <a:latin typeface="Cambria Math"/>
+                                </a:rPr>
+                              </m:ctrlPr>
+                            </m:radPr>
+                            <m:deg/>
+                            <m:e>
+                              <m:r>
+                                <a:rPr lang="pt-PT" sz="2800" b="0" i="1" smtClean="0">
+                                  <a:latin typeface="Cambria Math"/>
+                                </a:rPr>
+                                <m:t>2</m:t>
+                              </m:r>
+                            </m:e>
+                          </m:rad>
+                        </m:den>
+                      </m:f>
+                      <m:d>
+                        <m:dPr>
+                          <m:begChr m:val="["/>
+                          <m:endChr m:val="]"/>
+                          <m:ctrlPr>
+                            <a:rPr lang="pt-PT" sz="2800" b="0" i="1" smtClean="0">
+                              <a:latin typeface="Cambria Math"/>
+                            </a:rPr>
+                          </m:ctrlPr>
+                        </m:dPr>
+                        <m:e>
+                          <m:m>
+                            <m:mPr>
+                              <m:mcs>
+                                <m:mc>
+                                  <m:mcPr>
+                                    <m:count m:val="1"/>
+                                    <m:mcJc m:val="center"/>
+                                  </m:mcPr>
+                                </m:mc>
+                              </m:mcs>
+                              <m:ctrlPr>
+                                <a:rPr lang="pt-PT" sz="2800" b="0" i="1" smtClean="0">
+                                  <a:latin typeface="Cambria Math"/>
+                                </a:rPr>
+                              </m:ctrlPr>
+                            </m:mPr>
+                            <m:mr>
+                              <m:e>
+                                <m:r>
+                                  <a:rPr lang="pt-PT" sz="2800" b="0" i="1" smtClean="0">
+                                    <a:latin typeface="Cambria Math"/>
+                                  </a:rPr>
+                                  <m:t>1</m:t>
+                                </m:r>
+                              </m:e>
+                            </m:mr>
+                            <m:mr>
+                              <m:e>
+                                <m:r>
+                                  <a:rPr lang="pt-PT" sz="2800" b="1" i="0" smtClean="0">
+                                    <a:latin typeface="Cambria Math"/>
+                                  </a:rPr>
+                                  <m:t>𝐢</m:t>
                                 </m:r>
                               </m:e>
                             </m:mr>
@@ -4329,8 +5917,8 @@
           </p:sp>
         </mc:Fallback>
       </mc:AlternateContent>
-      <mc:AlternateContent xmlns:mc="http://schemas.openxmlformats.org/markup-compatibility/2006">
-        <mc:Choice xmlns:a14="http://schemas.microsoft.com/office/drawing/2010/main" Requires="a14">
+      <mc:AlternateContent xmlns:mc="http://schemas.openxmlformats.org/markup-compatibility/2006" xmlns:a14="http://schemas.microsoft.com/office/drawing/2010/main">
+        <mc:Choice Requires="a14">
           <p:sp>
             <p:nvSpPr>
               <p:cNvPr id="34" name="TextBox 33"/>
@@ -4353,6 +5941,7 @@
               </a:bodyPr>
               <a:lstStyle/>
               <a:p>
+                <a:pPr/>
                 <a14:m>
                   <m:oMathPara xmlns:m="http://schemas.openxmlformats.org/officeDocument/2006/math">
                     <m:oMathParaPr>
@@ -4392,7 +5981,7 @@
             </p:txBody>
           </p:sp>
         </mc:Choice>
-        <mc:Fallback>
+        <mc:Fallback xmlns="">
           <p:sp>
             <p:nvSpPr>
               <p:cNvPr id="34" name="TextBox 33"/>
@@ -4431,8 +6020,8 @@
           </p:sp>
         </mc:Fallback>
       </mc:AlternateContent>
-      <mc:AlternateContent xmlns:mc="http://schemas.openxmlformats.org/markup-compatibility/2006">
-        <mc:Choice xmlns:a14="http://schemas.microsoft.com/office/drawing/2010/main" Requires="a14">
+      <mc:AlternateContent xmlns:mc="http://schemas.openxmlformats.org/markup-compatibility/2006" xmlns:a14="http://schemas.microsoft.com/office/drawing/2010/main">
+        <mc:Choice Requires="a14">
           <p:sp>
             <p:nvSpPr>
               <p:cNvPr id="36" name="TextBox 35"/>
@@ -4455,6 +6044,7 @@
               </a:bodyPr>
               <a:lstStyle/>
               <a:p>
+                <a:pPr/>
                 <a14:m>
                   <m:oMathPara xmlns:m="http://schemas.openxmlformats.org/officeDocument/2006/math">
                     <m:oMathParaPr>
@@ -4494,7 +6084,7 @@
             </p:txBody>
           </p:sp>
         </mc:Choice>
-        <mc:Fallback>
+        <mc:Fallback xmlns="">
           <p:sp>
             <p:nvSpPr>
               <p:cNvPr id="36" name="TextBox 35"/>
@@ -4533,8 +6123,8 @@
           </p:sp>
         </mc:Fallback>
       </mc:AlternateContent>
-      <mc:AlternateContent xmlns:mc="http://schemas.openxmlformats.org/markup-compatibility/2006">
-        <mc:Choice xmlns:a14="http://schemas.microsoft.com/office/drawing/2010/main" Requires="a14">
+      <mc:AlternateContent xmlns:mc="http://schemas.openxmlformats.org/markup-compatibility/2006" xmlns:a14="http://schemas.microsoft.com/office/drawing/2010/main">
+        <mc:Choice Requires="a14">
           <p:sp>
             <p:nvSpPr>
               <p:cNvPr id="37" name="TextBox 36"/>
@@ -4557,6 +6147,7 @@
               </a:bodyPr>
               <a:lstStyle/>
               <a:p>
+                <a:pPr/>
                 <a14:m>
                   <m:oMathPara xmlns:m="http://schemas.openxmlformats.org/officeDocument/2006/math">
                     <m:oMathParaPr>
@@ -4596,7 +6187,7 @@
             </p:txBody>
           </p:sp>
         </mc:Choice>
-        <mc:Fallback>
+        <mc:Fallback xmlns="">
           <p:sp>
             <p:nvSpPr>
               <p:cNvPr id="37" name="TextBox 36"/>
@@ -4635,10 +6226,119 @@
           </p:sp>
         </mc:Fallback>
       </mc:AlternateContent>
+      <mc:AlternateContent xmlns:mc="http://schemas.openxmlformats.org/markup-compatibility/2006" xmlns:a14="http://schemas.microsoft.com/office/drawing/2010/main">
+        <mc:Choice Requires="a14">
+          <p:sp>
+            <p:nvSpPr>
+              <p:cNvPr id="2" name="Rectangle 1"/>
+              <p:cNvSpPr/>
+              <p:nvPr/>
+            </p:nvSpPr>
+            <p:spPr>
+              <a:xfrm>
+                <a:off x="4425626" y="1593271"/>
+                <a:ext cx="1224003" cy="646331"/>
+              </a:xfrm>
+              <a:prstGeom prst="rect">
+                <a:avLst/>
+              </a:prstGeom>
+            </p:spPr>
+            <p:txBody>
+              <a:bodyPr wrap="square">
+                <a:spAutoFit/>
+              </a:bodyPr>
+              <a:lstStyle/>
+              <a:p>
+                <a:pPr/>
+                <a14:m>
+                  <m:oMathPara xmlns:m="http://schemas.openxmlformats.org/officeDocument/2006/math">
+                    <m:oMathParaPr>
+                      <m:jc m:val="centerGroup"/>
+                    </m:oMathParaPr>
+                    <m:oMath xmlns:m="http://schemas.openxmlformats.org/officeDocument/2006/math">
+                      <m:d>
+                        <m:dPr>
+                          <m:begChr m:val=""/>
+                          <m:endChr m:val="⟩"/>
+                          <m:ctrlPr>
+                            <a:rPr lang="pt-PT" sz="3600" i="1" smtClean="0">
+                              <a:latin typeface="Cambria Math"/>
+                            </a:rPr>
+                          </m:ctrlPr>
+                        </m:dPr>
+                        <m:e>
+                          <m:d>
+                            <m:dPr>
+                              <m:begChr m:val="|"/>
+                              <m:endChr m:val=""/>
+                              <m:ctrlPr>
+                                <a:rPr lang="pt-PT" sz="3600" i="1">
+                                  <a:latin typeface="Cambria Math"/>
+                                </a:rPr>
+                              </m:ctrlPr>
+                            </m:dPr>
+                            <m:e>
+                              <m:r>
+                                <a:rPr lang="pt-PT" sz="3600" b="0" i="1" smtClean="0">
+                                  <a:latin typeface="Cambria Math"/>
+                                </a:rPr>
+                                <m:t>𝜓</m:t>
+                              </m:r>
+                            </m:e>
+                          </m:d>
+                        </m:e>
+                      </m:d>
+                    </m:oMath>
+                  </m:oMathPara>
+                </a14:m>
+                <a:endParaRPr lang="pt-PT" sz="3600" dirty="0"/>
+              </a:p>
+            </p:txBody>
+          </p:sp>
+        </mc:Choice>
+        <mc:Fallback xmlns="">
+          <p:sp>
+            <p:nvSpPr>
+              <p:cNvPr id="2" name="Rectangle 1"/>
+              <p:cNvSpPr>
+                <a:spLocks noRot="1" noChangeAspect="1" noMove="1" noResize="1" noEditPoints="1" noAdjustHandles="1" noChangeArrowheads="1" noChangeShapeType="1" noTextEdit="1"/>
+              </p:cNvSpPr>
+              <p:nvPr/>
+            </p:nvSpPr>
+            <p:spPr>
+              <a:xfrm>
+                <a:off x="4425626" y="1593271"/>
+                <a:ext cx="1224003" cy="646331"/>
+              </a:xfrm>
+              <a:prstGeom prst="rect">
+                <a:avLst/>
+              </a:prstGeom>
+              <a:blipFill rotWithShape="1">
+                <a:blip r:embed="rId14"/>
+                <a:stretch>
+                  <a:fillRect/>
+                </a:stretch>
+              </a:blipFill>
+            </p:spPr>
+            <p:txBody>
+              <a:bodyPr/>
+              <a:lstStyle/>
+              <a:p>
+                <a:r>
+                  <a:rPr lang="pt-PT">
+                    <a:noFill/>
+                  </a:rPr>
+                  <a:t> </a:t>
+                </a:r>
+              </a:p>
+            </p:txBody>
+          </p:sp>
+        </mc:Fallback>
+      </mc:AlternateContent>
     </p:spTree>
     <p:extLst>
       <p:ext uri="{BB962C8B-B14F-4D97-AF65-F5344CB8AC3E}">
-        <p14:creationId xmlns:p14="http://schemas.microsoft.com/office/powerpoint/2010/main" val="2980187540"/>
+        <p14:creationId xmlns:p14="http://schemas.microsoft.com/office/powerpoint/2010/main" val="3467934991"/>
       </p:ext>
     </p:extLst>
   </p:cSld>
